--- a/181206_パラメータスウィープ_ケーススタディ.pptx
+++ b/181206_パラメータスウィープ_ケーススタディ.pptx
@@ -245,7 +245,7 @@
           <a:p>
             <a:fld id="{68DDA9F4-EF5C-4F40-B1BB-BB838D49A02B}" type="datetimeFigureOut">
               <a:rPr kumimoji="1" lang="ja-JP" altLang="en-US" smtClean="0"/>
-              <a:t>2019/11/26</a:t>
+              <a:t>2019/11/30</a:t>
             </a:fld>
             <a:endParaRPr kumimoji="1" lang="ja-JP" altLang="en-US"/>
           </a:p>
@@ -447,7 +447,7 @@
           <a:p>
             <a:fld id="{68DDA9F4-EF5C-4F40-B1BB-BB838D49A02B}" type="datetimeFigureOut">
               <a:rPr kumimoji="1" lang="ja-JP" altLang="en-US" smtClean="0"/>
-              <a:t>2019/11/26</a:t>
+              <a:t>2019/11/30</a:t>
             </a:fld>
             <a:endParaRPr kumimoji="1" lang="ja-JP" altLang="en-US"/>
           </a:p>
@@ -659,7 +659,7 @@
           <a:p>
             <a:fld id="{68DDA9F4-EF5C-4F40-B1BB-BB838D49A02B}" type="datetimeFigureOut">
               <a:rPr kumimoji="1" lang="ja-JP" altLang="en-US" smtClean="0"/>
-              <a:t>2019/11/26</a:t>
+              <a:t>2019/11/30</a:t>
             </a:fld>
             <a:endParaRPr kumimoji="1" lang="ja-JP" altLang="en-US"/>
           </a:p>
@@ -861,7 +861,7 @@
           <a:p>
             <a:fld id="{68DDA9F4-EF5C-4F40-B1BB-BB838D49A02B}" type="datetimeFigureOut">
               <a:rPr kumimoji="1" lang="ja-JP" altLang="en-US" smtClean="0"/>
-              <a:t>2019/11/26</a:t>
+              <a:t>2019/11/30</a:t>
             </a:fld>
             <a:endParaRPr kumimoji="1" lang="ja-JP" altLang="en-US"/>
           </a:p>
@@ -1107,7 +1107,7 @@
           <a:p>
             <a:fld id="{68DDA9F4-EF5C-4F40-B1BB-BB838D49A02B}" type="datetimeFigureOut">
               <a:rPr kumimoji="1" lang="ja-JP" altLang="en-US" smtClean="0"/>
-              <a:t>2019/11/26</a:t>
+              <a:t>2019/11/30</a:t>
             </a:fld>
             <a:endParaRPr kumimoji="1" lang="ja-JP" altLang="en-US"/>
           </a:p>
@@ -1403,7 +1403,7 @@
           <a:p>
             <a:fld id="{68DDA9F4-EF5C-4F40-B1BB-BB838D49A02B}" type="datetimeFigureOut">
               <a:rPr kumimoji="1" lang="ja-JP" altLang="en-US" smtClean="0"/>
-              <a:t>2019/11/26</a:t>
+              <a:t>2019/11/30</a:t>
             </a:fld>
             <a:endParaRPr kumimoji="1" lang="ja-JP" altLang="en-US"/>
           </a:p>
@@ -1834,7 +1834,7 @@
           <a:p>
             <a:fld id="{68DDA9F4-EF5C-4F40-B1BB-BB838D49A02B}" type="datetimeFigureOut">
               <a:rPr kumimoji="1" lang="ja-JP" altLang="en-US" smtClean="0"/>
-              <a:t>2019/11/26</a:t>
+              <a:t>2019/11/30</a:t>
             </a:fld>
             <a:endParaRPr kumimoji="1" lang="ja-JP" altLang="en-US"/>
           </a:p>
@@ -1952,7 +1952,7 @@
           <a:p>
             <a:fld id="{68DDA9F4-EF5C-4F40-B1BB-BB838D49A02B}" type="datetimeFigureOut">
               <a:rPr kumimoji="1" lang="ja-JP" altLang="en-US" smtClean="0"/>
-              <a:t>2019/11/26</a:t>
+              <a:t>2019/11/30</a:t>
             </a:fld>
             <a:endParaRPr kumimoji="1" lang="ja-JP" altLang="en-US"/>
           </a:p>
@@ -2047,7 +2047,7 @@
           <a:p>
             <a:fld id="{68DDA9F4-EF5C-4F40-B1BB-BB838D49A02B}" type="datetimeFigureOut">
               <a:rPr kumimoji="1" lang="ja-JP" altLang="en-US" smtClean="0"/>
-              <a:t>2019/11/26</a:t>
+              <a:t>2019/11/30</a:t>
             </a:fld>
             <a:endParaRPr kumimoji="1" lang="ja-JP" altLang="en-US"/>
           </a:p>
@@ -2356,7 +2356,7 @@
           <a:p>
             <a:fld id="{68DDA9F4-EF5C-4F40-B1BB-BB838D49A02B}" type="datetimeFigureOut">
               <a:rPr kumimoji="1" lang="ja-JP" altLang="en-US" smtClean="0"/>
-              <a:t>2019/11/26</a:t>
+              <a:t>2019/11/30</a:t>
             </a:fld>
             <a:endParaRPr kumimoji="1" lang="ja-JP" altLang="en-US"/>
           </a:p>
@@ -2613,7 +2613,7 @@
           <a:p>
             <a:fld id="{68DDA9F4-EF5C-4F40-B1BB-BB838D49A02B}" type="datetimeFigureOut">
               <a:rPr kumimoji="1" lang="ja-JP" altLang="en-US" smtClean="0"/>
-              <a:t>2019/11/26</a:t>
+              <a:t>2019/11/30</a:t>
             </a:fld>
             <a:endParaRPr kumimoji="1" lang="ja-JP" altLang="en-US"/>
           </a:p>
@@ -2858,7 +2858,7 @@
           <a:p>
             <a:fld id="{68DDA9F4-EF5C-4F40-B1BB-BB838D49A02B}" type="datetimeFigureOut">
               <a:rPr kumimoji="1" lang="ja-JP" altLang="en-US" smtClean="0"/>
-              <a:t>2019/11/26</a:t>
+              <a:t>2019/11/30</a:t>
             </a:fld>
             <a:endParaRPr kumimoji="1" lang="ja-JP" altLang="en-US"/>
           </a:p>
@@ -3888,7 +3888,7 @@
           <p:nvPr>
             <p:extLst>
               <p:ext uri="{D42A27DB-BD31-4B8C-83A1-F6EECF244321}">
-                <p14:modId xmlns:p14="http://schemas.microsoft.com/office/powerpoint/2010/main" val="1856127044"/>
+                <p14:modId xmlns:p14="http://schemas.microsoft.com/office/powerpoint/2010/main" val="817607867"/>
               </p:ext>
             </p:extLst>
           </p:nvPr>
@@ -3918,7 +3918,10 @@
                     <a:bodyPr/>
                     <a:lstStyle/>
                     <a:p>
-                      <a:endParaRPr kumimoji="1" lang="ja-JP" altLang="en-US" sz="2000" dirty="0"/>
+                      <a:r>
+                        <a:rPr kumimoji="1" lang="ja-JP" altLang="en-US" sz="2000" dirty="0"/>
+                        <a:t>モジュール</a:t>
+                      </a:r>
                     </a:p>
                   </a:txBody>
                   <a:tcPr marL="91438" marR="91438" marT="45724" marB="45724"/>
